--- a/REKAYASA PERANGKAT LUNAK II.pptx
+++ b/REKAYASA PERANGKAT LUNAK II.pptx
@@ -4328,9 +4328,9 @@
       </p:sp>
       <p:pic>
         <p:nvPicPr>
-          <p:cNvPr id="2050" name="Picture 2"/>
+          <p:cNvPr id="5" name="Content Placeholder 4" descr="Class Diagram .jpg"/>
           <p:cNvPicPr>
-            <a:picLocks noGrp="1" noChangeAspect="1" noChangeArrowheads="1"/>
+            <a:picLocks noGrp="1" noChangeAspect="1"/>
           </p:cNvPicPr>
           <p:nvPr>
             <p:ph sz="quarter" idx="1"/>
@@ -4338,27 +4338,15 @@
         </p:nvPicPr>
         <p:blipFill>
           <a:blip r:embed="rId2"/>
-          <a:srcRect/>
           <a:stretch>
             <a:fillRect/>
           </a:stretch>
         </p:blipFill>
-        <p:spPr bwMode="auto">
-          <a:xfrm>
-            <a:off x="1447800" y="1676400"/>
-            <a:ext cx="6253832" cy="4495800"/>
-          </a:xfrm>
-          <a:prstGeom prst="rect">
-            <a:avLst/>
-          </a:prstGeom>
-          <a:noFill/>
-          <a:ln w="9525">
-            <a:noFill/>
-            <a:miter lim="800000"/>
-            <a:headEnd/>
-            <a:tailEnd/>
-          </a:ln>
-          <a:effectLst/>
+        <p:spPr>
+          <a:xfrm>
+            <a:off x="1564345" y="1600200"/>
+            <a:ext cx="6250259" cy="4495800"/>
+          </a:xfrm>
         </p:spPr>
       </p:pic>
     </p:spTree>
@@ -5422,6 +5410,13 @@
   <p:clrMapOvr>
     <a:masterClrMapping/>
   </p:clrMapOvr>
+  <p:timing>
+    <p:tnLst>
+      <p:par>
+        <p:cTn id="1" dur="indefinite" restart="never" nodeType="tmRoot"/>
+      </p:par>
+    </p:tnLst>
+  </p:timing>
 </p:sld>
 </file>
 
@@ -5594,6 +5589,13 @@
   <p:clrMapOvr>
     <a:masterClrMapping/>
   </p:clrMapOvr>
+  <p:timing>
+    <p:tnLst>
+      <p:par>
+        <p:cTn id="1" dur="indefinite" restart="never" nodeType="tmRoot"/>
+      </p:par>
+    </p:tnLst>
+  </p:timing>
 </p:sld>
 </file>
 
